--- a/Bonus Courses/01-Blockchain Dev Camp/02-BASICS OF BLOCKCHAIN/0. Welcome-to-the-Blockchain-Dev-Camp.pptx
+++ b/Bonus Courses/01-Blockchain Dev Camp/02-BASICS OF BLOCKCHAIN/0. Welcome-to-the-Blockchain-Dev-Camp.pptx
@@ -210,10 +210,6 @@
 </p:presentation>
 </file>
 
-<file path=ppt/revisionInfo.xml><?xml version="1.0" encoding="utf-8"?>
-<p1510:revInfo xmlns:a="http://schemas.openxmlformats.org/drawingml/2006/main" xmlns:r="http://schemas.openxmlformats.org/officeDocument/2006/relationships" xmlns:p1510="http://schemas.microsoft.com/office/powerpoint/2015/10/main"/>
-</file>
-
 <file path=ppt/handoutMasters/handoutMaster1.xml><?xml version="1.0" encoding="utf-8"?>
 <p:handoutMaster xmlns:a="http://schemas.openxmlformats.org/drawingml/2006/main" xmlns:r="http://schemas.openxmlformats.org/officeDocument/2006/relationships" xmlns:p="http://schemas.openxmlformats.org/presentationml/2006/main">
   <p:cSld>
@@ -297,7 +293,7 @@
             <a:fld id="{FE5B4EDC-59C0-49C7-8ADA-5A781B329E02}" type="datetimeFigureOut">
               <a:rPr lang="en-US"/>
               <a:pPr/>
-              <a:t>27-Jan-18</a:t>
+              <a:t>14-Mar-18</a:t>
             </a:fld>
             <a:endParaRPr dirty="0"/>
           </a:p>
@@ -496,7 +492,7 @@
             <a:fld id="{F2D8D46A-B586-417D-BFBD-8C8FE0AAF762}" type="datetimeFigureOut">
               <a:rPr lang="en-US" smtClean="0"/>
               <a:pPr/>
-              <a:t>27-Jan-18</a:t>
+              <a:t>14-Mar-18</a:t>
             </a:fld>
             <a:endParaRPr lang="en-US"/>
           </a:p>
@@ -2089,7 +2085,7 @@
             <a:fld id="{055373AC-9AA7-423B-BA00-BA1C74164DBD}" type="datetime1">
               <a:rPr lang="en-US" smtClean="0"/>
               <a:pPr/>
-              <a:t>27-Jan-18</a:t>
+              <a:t>14-Mar-18</a:t>
             </a:fld>
             <a:endParaRPr lang="en-US" dirty="0"/>
           </a:p>
@@ -3281,7 +3277,7 @@
             <a:fld id="{055373AC-9AA7-423B-BA00-BA1C74164DBD}" type="datetime1">
               <a:rPr lang="en-US" smtClean="0"/>
               <a:pPr/>
-              <a:t>27-Jan-18</a:t>
+              <a:t>14-Mar-18</a:t>
             </a:fld>
             <a:endParaRPr lang="en-US" dirty="0"/>
           </a:p>
@@ -6296,14 +6292,14 @@
           <p:nvPr>
             <p:extLst>
               <p:ext uri="{D42A27DB-BD31-4B8C-83A1-F6EECF244321}">
-                <p14:modId xmlns:p14="http://schemas.microsoft.com/office/powerpoint/2010/main" val="767083098"/>
+                <p14:modId xmlns:p14="http://schemas.microsoft.com/office/powerpoint/2010/main" val="3184634794"/>
               </p:ext>
             </p:extLst>
           </p:nvPr>
         </p:nvGraphicFramePr>
         <p:xfrm>
-          <a:off x="833436" y="2743200"/>
-          <a:ext cx="5032376" cy="3000870"/>
+          <a:off x="909636" y="2746934"/>
+          <a:ext cx="4727576" cy="3577666"/>
         </p:xfrm>
         <a:graphic>
           <a:graphicData uri="http://schemas.openxmlformats.org/drawingml/2006/table">
@@ -6312,14 +6308,14 @@
                 <a:tableStyleId>{5C22544A-7EE6-4342-B048-85BDC9FD1C3A}</a:tableStyleId>
               </a:tblPr>
               <a:tblGrid>
-                <a:gridCol w="2974976">
+                <a:gridCol w="2746376">
                   <a:extLst>
                     <a:ext uri="{9D8B030D-6E8A-4147-A177-3AD203B41FA5}">
                       <a16:colId xmlns:a16="http://schemas.microsoft.com/office/drawing/2014/main" val="1794562914"/>
                     </a:ext>
                   </a:extLst>
                 </a:gridCol>
-                <a:gridCol w="2057400">
+                <a:gridCol w="1981200">
                   <a:extLst>
                     <a:ext uri="{9D8B030D-6E8A-4147-A177-3AD203B41FA5}">
                       <a16:colId xmlns:a16="http://schemas.microsoft.com/office/drawing/2014/main" val="516535713"/>
@@ -6422,7 +6418,7 @@
                     <a:bodyPr/>
                     <a:lstStyle/>
                     <a:p>
-                      <a:pPr algn="just">
+                      <a:pPr marL="92075" indent="0" algn="just">
                         <a:lnSpc>
                           <a:spcPct val="107000"/>
                         </a:lnSpc>
@@ -6511,7 +6507,7 @@
                     <a:bodyPr/>
                     <a:lstStyle/>
                     <a:p>
-                      <a:pPr algn="just">
+                      <a:pPr marL="92075" indent="0" algn="just">
                         <a:lnSpc>
                           <a:spcPct val="107000"/>
                         </a:lnSpc>
@@ -6520,7 +6516,7 @@
                         </a:spcAft>
                       </a:pPr>
                       <a:r>
-                        <a:rPr lang="en-US" sz="3200">
+                        <a:rPr lang="en-US" sz="3200" dirty="0">
                           <a:effectLst>
                             <a:outerShdw blurRad="38100" dist="38100" dir="2700000" algn="tl">
                               <a:srgbClr val="000000">
@@ -6531,7 +6527,7 @@
                         </a:rPr>
                         <a:t>Assignments</a:t>
                       </a:r>
-                      <a:endParaRPr lang="en-US" sz="3200">
+                      <a:endParaRPr lang="en-US" sz="3200" dirty="0">
                         <a:effectLst>
                           <a:outerShdw blurRad="38100" dist="38100" dir="2700000" algn="tl">
                             <a:srgbClr val="000000">
@@ -6594,13 +6590,102 @@
                   </a:ext>
                 </a:extLst>
               </a:tr>
-              <a:tr h="720890">
+              <a:tr h="360445">
                 <a:tc>
                   <a:txBody>
                     <a:bodyPr/>
                     <a:lstStyle/>
                     <a:p>
-                      <a:pPr algn="just">
+                      <a:pPr marL="92075" indent="0" algn="just">
+                        <a:lnSpc>
+                          <a:spcPct val="107000"/>
+                        </a:lnSpc>
+                        <a:spcAft>
+                          <a:spcPts val="0"/>
+                        </a:spcAft>
+                      </a:pPr>
+                      <a:r>
+                        <a:rPr lang="en-US" sz="3200" dirty="0">
+                          <a:effectLst>
+                            <a:outerShdw blurRad="38100" dist="38100" dir="2700000" algn="tl">
+                              <a:srgbClr val="000000">
+                                <a:alpha val="43137"/>
+                              </a:srgbClr>
+                            </a:outerShdw>
+                          </a:effectLst>
+                        </a:rPr>
+                        <a:t>Team Project</a:t>
+                      </a:r>
+                      <a:endParaRPr lang="en-US" sz="3200" dirty="0">
+                        <a:effectLst>
+                          <a:outerShdw blurRad="38100" dist="38100" dir="2700000" algn="tl">
+                            <a:srgbClr val="000000">
+                              <a:alpha val="43137"/>
+                            </a:srgbClr>
+                          </a:outerShdw>
+                        </a:effectLst>
+                        <a:latin typeface="Calibri" panose="020F0502020204030204" pitchFamily="34" charset="0"/>
+                        <a:ea typeface="Calibri" panose="020F0502020204030204" pitchFamily="34" charset="0"/>
+                        <a:cs typeface="Times New Roman" panose="02020603050405020304" pitchFamily="18" charset="0"/>
+                      </a:endParaRPr>
+                    </a:p>
+                  </a:txBody>
+                  <a:tcPr marL="63500" marR="63500" marT="63500" marB="63500" anchor="ctr"/>
+                </a:tc>
+                <a:tc>
+                  <a:txBody>
+                    <a:bodyPr/>
+                    <a:lstStyle/>
+                    <a:p>
+                      <a:pPr algn="ctr">
+                        <a:lnSpc>
+                          <a:spcPct val="107000"/>
+                        </a:lnSpc>
+                        <a:spcAft>
+                          <a:spcPts val="0"/>
+                        </a:spcAft>
+                      </a:pPr>
+                      <a:r>
+                        <a:rPr lang="en-US" sz="3200" dirty="0">
+                          <a:effectLst>
+                            <a:outerShdw blurRad="38100" dist="38100" dir="2700000" algn="tl">
+                              <a:srgbClr val="000000">
+                                <a:alpha val="43137"/>
+                              </a:srgbClr>
+                            </a:outerShdw>
+                          </a:effectLst>
+                        </a:rPr>
+                        <a:t>35%</a:t>
+                      </a:r>
+                      <a:endParaRPr lang="en-US" sz="3200" dirty="0">
+                        <a:effectLst>
+                          <a:outerShdw blurRad="38100" dist="38100" dir="2700000" algn="tl">
+                            <a:srgbClr val="000000">
+                              <a:alpha val="43137"/>
+                            </a:srgbClr>
+                          </a:outerShdw>
+                        </a:effectLst>
+                        <a:latin typeface="Calibri" panose="020F0502020204030204" pitchFamily="34" charset="0"/>
+                        <a:ea typeface="Calibri" panose="020F0502020204030204" pitchFamily="34" charset="0"/>
+                        <a:cs typeface="Times New Roman" panose="02020603050405020304" pitchFamily="18" charset="0"/>
+                      </a:endParaRPr>
+                    </a:p>
+                  </a:txBody>
+                  <a:tcPr marL="63500" marR="63500" marT="63500" marB="63500" anchor="ctr"/>
+                </a:tc>
+                <a:extLst>
+                  <a:ext uri="{0D108BD9-81ED-4DB2-BD59-A6C34878D82A}">
+                    <a16:rowId xmlns:a16="http://schemas.microsoft.com/office/drawing/2014/main" val="2863203948"/>
+                  </a:ext>
+                </a:extLst>
+              </a:tr>
+              <a:tr h="360445">
+                <a:tc>
+                  <a:txBody>
+                    <a:bodyPr/>
+                    <a:lstStyle/>
+                    <a:p>
+                      <a:pPr marL="92075" indent="0" algn="just">
                         <a:lnSpc>
                           <a:spcPct val="107000"/>
                         </a:lnSpc>
@@ -6659,7 +6744,7 @@
                             </a:outerShdw>
                           </a:effectLst>
                         </a:rPr>
-                        <a:t>70%</a:t>
+                        <a:t>35%</a:t>
                       </a:r>
                       <a:endParaRPr lang="en-US" sz="3200" dirty="0">
                         <a:effectLst>
@@ -6679,7 +6764,7 @@
                 </a:tc>
                 <a:extLst>
                   <a:ext uri="{0D108BD9-81ED-4DB2-BD59-A6C34878D82A}">
-                    <a16:rowId xmlns:a16="http://schemas.microsoft.com/office/drawing/2014/main" val="2863203948"/>
+                    <a16:rowId xmlns:a16="http://schemas.microsoft.com/office/drawing/2014/main" val="3441192883"/>
                   </a:ext>
                 </a:extLst>
               </a:tr>
